--- a/presentations-de/praesentation-04-kapitel-3-variablen.pptx
+++ b/presentations-de/praesentation-04-kapitel-3-variablen.pptx
@@ -214,7 +214,7 @@
             <a:fld id="{14279C90-4B83-44D1-A60F-44A75D7A4CD8}" type="datetimeFigureOut">
               <a:rPr lang="de-DE" smtClean="0"/>
               <a:pPr/>
-              <a:t>15.07.2012</a:t>
+              <a:t>29.10.2012</a:t>
             </a:fld>
             <a:endParaRPr lang="de-DE"/>
           </a:p>
@@ -772,7 +772,7 @@
             <a:pPr algn="ctr" eaLnBrk="1" latinLnBrk="0" hangingPunct="1"/>
             <a:r>
               <a:rPr lang="de-DE" smtClean="0"/>
-              <a:t>v1.3 (2012-07)</a:t>
+              <a:t>v2.0</a:t>
             </a:r>
             <a:endParaRPr lang="en-US" sz="2000" dirty="0">
               <a:solidFill>
@@ -817,7 +817,7 @@
                   <a:schemeClr val="tx2"/>
                 </a:solidFill>
               </a:rPr>
-              <a:t>Programmieren / Greenfoot</a:t>
+              <a:t>Programmieren / Kapitel 3 - Variablen</a:t>
             </a:r>
             <a:endParaRPr kumimoji="0" lang="en-US" dirty="0">
               <a:solidFill>
@@ -992,7 +992,7 @@
           <a:p>
             <a:r>
               <a:rPr lang="de-DE" smtClean="0"/>
-              <a:t>v1.3 (2012-07)</a:t>
+              <a:t>v2.0</a:t>
             </a:r>
             <a:endParaRPr lang="en-US"/>
           </a:p>
@@ -1015,7 +1015,7 @@
           <a:p>
             <a:r>
               <a:rPr kumimoji="0" lang="de-CH" smtClean="0"/>
-              <a:t>Programmieren / Greenfoot</a:t>
+              <a:t>Programmieren / Kapitel 3 - Variablen</a:t>
             </a:r>
             <a:endParaRPr kumimoji="0" lang="en-US"/>
           </a:p>
@@ -1177,7 +1177,7 @@
           <a:p>
             <a:r>
               <a:rPr lang="de-DE" smtClean="0"/>
-              <a:t>v1.3 (2012-07)</a:t>
+              <a:t>v2.0</a:t>
             </a:r>
             <a:endParaRPr lang="en-US" dirty="0"/>
           </a:p>
@@ -1205,7 +1205,7 @@
           <a:p>
             <a:r>
               <a:rPr kumimoji="0" lang="de-CH" smtClean="0"/>
-              <a:t>Programmieren / Greenfoot</a:t>
+              <a:t>Programmieren / Kapitel 3 - Variablen</a:t>
             </a:r>
             <a:endParaRPr kumimoji="0" lang="en-US" dirty="0"/>
           </a:p>
@@ -1445,7 +1445,7 @@
           <a:p>
             <a:r>
               <a:rPr lang="de-DE" smtClean="0"/>
-              <a:t>v1.3 (2012-07)</a:t>
+              <a:t>v2.0</a:t>
             </a:r>
             <a:endParaRPr lang="en-US" dirty="0"/>
           </a:p>
@@ -1468,7 +1468,7 @@
           <a:p>
             <a:r>
               <a:rPr kumimoji="0" lang="de-CH" smtClean="0"/>
-              <a:t>Programmieren / Greenfoot</a:t>
+              <a:t>Programmieren / Kapitel 3 - Variablen</a:t>
             </a:r>
             <a:endParaRPr kumimoji="0" lang="en-US"/>
           </a:p>
@@ -1872,7 +1872,7 @@
           <a:p>
             <a:r>
               <a:rPr lang="de-DE" smtClean="0"/>
-              <a:t>v1.3 (2012-07)</a:t>
+              <a:t>v2.0</a:t>
             </a:r>
             <a:endParaRPr lang="en-US"/>
           </a:p>
@@ -1939,7 +1939,7 @@
           <a:p>
             <a:r>
               <a:rPr kumimoji="0" lang="de-CH" smtClean="0"/>
-              <a:t>Programmieren / Greenfoot</a:t>
+              <a:t>Programmieren / Kapitel 3 - Variablen</a:t>
             </a:r>
             <a:endParaRPr kumimoji="0" lang="en-US"/>
           </a:p>
@@ -2131,7 +2131,7 @@
           <a:p>
             <a:r>
               <a:rPr lang="de-DE" smtClean="0"/>
-              <a:t>v1.3 (2012-07)</a:t>
+              <a:t>v2.0</a:t>
             </a:r>
             <a:endParaRPr lang="en-US"/>
           </a:p>
@@ -2179,7 +2179,7 @@
           <a:p>
             <a:r>
               <a:rPr kumimoji="0" lang="de-CH" smtClean="0"/>
-              <a:t>Programmieren / Greenfoot</a:t>
+              <a:t>Programmieren / Kapitel 3 - Variablen</a:t>
             </a:r>
             <a:endParaRPr kumimoji="0" lang="en-US"/>
           </a:p>
@@ -2380,7 +2380,7 @@
           <a:p>
             <a:r>
               <a:rPr lang="de-DE" smtClean="0"/>
-              <a:t>v1.3 (2012-07)</a:t>
+              <a:t>v2.0</a:t>
             </a:r>
             <a:endParaRPr lang="en-US"/>
           </a:p>
@@ -2428,7 +2428,7 @@
           <a:p>
             <a:r>
               <a:rPr kumimoji="0" lang="de-CH" smtClean="0"/>
-              <a:t>Programmieren / Greenfoot</a:t>
+              <a:t>Programmieren / Kapitel 3 - Variablen</a:t>
             </a:r>
             <a:endParaRPr kumimoji="0" lang="en-US"/>
           </a:p>
@@ -2588,7 +2588,7 @@
           <a:p>
             <a:r>
               <a:rPr lang="de-DE" smtClean="0"/>
-              <a:t>v1.3 (2012-07)</a:t>
+              <a:t>v2.0</a:t>
             </a:r>
             <a:endParaRPr lang="en-US"/>
           </a:p>
@@ -2611,7 +2611,7 @@
           <a:p>
             <a:r>
               <a:rPr kumimoji="0" lang="de-CH" smtClean="0"/>
-              <a:t>Programmieren / Greenfoot</a:t>
+              <a:t>Programmieren / Kapitel 3 - Variablen</a:t>
             </a:r>
             <a:endParaRPr kumimoji="0" lang="en-US"/>
           </a:p>
@@ -2702,7 +2702,7 @@
           <a:p>
             <a:r>
               <a:rPr lang="de-DE" smtClean="0"/>
-              <a:t>v1.3 (2012-07)</a:t>
+              <a:t>v2.0</a:t>
             </a:r>
             <a:endParaRPr lang="en-US"/>
           </a:p>
@@ -2725,7 +2725,7 @@
           <a:p>
             <a:r>
               <a:rPr kumimoji="0" lang="de-CH" smtClean="0"/>
-              <a:t>Programmieren / Greenfoot</a:t>
+              <a:t>Programmieren / Kapitel 3 - Variablen</a:t>
             </a:r>
             <a:endParaRPr kumimoji="0" lang="en-US" dirty="0"/>
           </a:p>
@@ -2847,7 +2847,7 @@
           <a:p>
             <a:r>
               <a:rPr lang="de-DE" smtClean="0"/>
-              <a:t>v1.3 (2012-07)</a:t>
+              <a:t>v2.0</a:t>
             </a:r>
             <a:endParaRPr lang="en-US"/>
           </a:p>
@@ -2870,7 +2870,7 @@
           <a:p>
             <a:r>
               <a:rPr kumimoji="0" lang="de-CH" smtClean="0"/>
-              <a:t>Programmieren / Greenfoot</a:t>
+              <a:t>Programmieren / Kapitel 3 - Variablen</a:t>
             </a:r>
             <a:endParaRPr kumimoji="0" lang="en-US"/>
           </a:p>
@@ -3369,7 +3369,7 @@
           <a:p>
             <a:r>
               <a:rPr lang="de-DE" smtClean="0"/>
-              <a:t>v1.3 (2012-07)</a:t>
+              <a:t>v2.0</a:t>
             </a:r>
             <a:endParaRPr lang="en-US"/>
           </a:p>
@@ -3431,7 +3431,7 @@
           <a:p>
             <a:r>
               <a:rPr kumimoji="0" lang="de-CH" smtClean="0"/>
-              <a:t>Programmieren / Greenfoot</a:t>
+              <a:t>Programmieren / Kapitel 3 - Variablen</a:t>
             </a:r>
             <a:endParaRPr kumimoji="0" lang="en-US" dirty="0"/>
           </a:p>
@@ -3636,7 +3636,7 @@
           <a:p>
             <a:r>
               <a:rPr lang="de-DE" smtClean="0"/>
-              <a:t>v1.3 (2012-07)</a:t>
+              <a:t>v2.0</a:t>
             </a:r>
             <a:endParaRPr lang="en-US" dirty="0"/>
           </a:p>
@@ -3675,7 +3675,7 @@
           <a:p>
             <a:r>
               <a:rPr lang="de-CH" smtClean="0"/>
-              <a:t>Programmieren / Greenfoot</a:t>
+              <a:t>Programmieren / Kapitel 3 - Variablen</a:t>
             </a:r>
             <a:endParaRPr lang="en-US" dirty="0"/>
           </a:p>
@@ -4276,20 +4276,12 @@
           <a:lstStyle/>
           <a:p>
             <a:r>
-              <a:rPr lang="de-DE" dirty="0" err="1" smtClean="0"/>
-              <a:t>Greenfoot</a:t>
-            </a:r>
-            <a:r>
               <a:rPr lang="de-DE" dirty="0" smtClean="0"/>
-              <a:t> </a:t>
-            </a:r>
-            <a:r>
-              <a:rPr lang="de-DE" dirty="0" smtClean="0"/>
-              <a:t>– Schleifen </a:t>
+              <a:t>Kapitel </a:t>
             </a:r>
             <a:r>
               <a:rPr lang="de-DE" smtClean="0"/>
-              <a:t>und Variablen</a:t>
+              <a:t>3 – Variablen</a:t>
             </a:r>
             <a:endParaRPr lang="de-DE" dirty="0"/>
           </a:p>
@@ -4367,7 +4359,7 @@
           <a:p>
             <a:r>
               <a:rPr lang="de-DE" smtClean="0"/>
-              <a:t>v1.3 (2012-07)</a:t>
+              <a:t>v2.0</a:t>
             </a:r>
             <a:endParaRPr lang="en-US" dirty="0"/>
           </a:p>
@@ -4390,7 +4382,7 @@
           <a:p>
             <a:r>
               <a:rPr kumimoji="0" lang="de-CH" smtClean="0"/>
-              <a:t>Programmieren / Greenfoot</a:t>
+              <a:t>Programmieren / Kapitel 3 - Variablen</a:t>
             </a:r>
             <a:endParaRPr kumimoji="0" lang="en-US"/>
           </a:p>
@@ -5009,7 +5001,7 @@
           <a:p>
             <a:r>
               <a:rPr lang="de-DE" smtClean="0"/>
-              <a:t>v1.3 (2012-07)</a:t>
+              <a:t>v2.0</a:t>
             </a:r>
             <a:endParaRPr lang="en-US" dirty="0"/>
           </a:p>
@@ -5032,7 +5024,7 @@
           <a:p>
             <a:r>
               <a:rPr kumimoji="0" lang="de-CH" smtClean="0"/>
-              <a:t>Programmieren / Greenfoot</a:t>
+              <a:t>Programmieren / Kapitel 3 - Variablen</a:t>
             </a:r>
             <a:endParaRPr kumimoji="0" lang="en-US"/>
           </a:p>
@@ -6034,7 +6026,7 @@
           <a:p>
             <a:r>
               <a:rPr lang="de-DE" smtClean="0"/>
-              <a:t>v1.3 (2012-07)</a:t>
+              <a:t>v2.0</a:t>
             </a:r>
             <a:endParaRPr lang="en-US" dirty="0"/>
           </a:p>
@@ -6057,7 +6049,7 @@
           <a:p>
             <a:r>
               <a:rPr kumimoji="0" lang="de-CH" smtClean="0"/>
-              <a:t>Programmieren / Greenfoot</a:t>
+              <a:t>Programmieren / Kapitel 3 - Variablen</a:t>
             </a:r>
             <a:endParaRPr kumimoji="0" lang="en-US"/>
           </a:p>
@@ -6642,7 +6634,7 @@
           <a:p>
             <a:r>
               <a:rPr lang="de-DE" smtClean="0"/>
-              <a:t>v1.3 (2012-07)</a:t>
+              <a:t>v2.0</a:t>
             </a:r>
             <a:endParaRPr lang="en-US" dirty="0"/>
           </a:p>
@@ -6665,7 +6657,7 @@
           <a:p>
             <a:r>
               <a:rPr kumimoji="0" lang="de-CH" smtClean="0"/>
-              <a:t>Programmieren / Greenfoot</a:t>
+              <a:t>Programmieren / Kapitel 3 - Variablen</a:t>
             </a:r>
             <a:endParaRPr kumimoji="0" lang="en-US"/>
           </a:p>
@@ -7037,7 +7029,7 @@
           <a:p>
             <a:r>
               <a:rPr lang="de-DE" smtClean="0"/>
-              <a:t>v1.3 (2012-07)</a:t>
+              <a:t>v2.0</a:t>
             </a:r>
             <a:endParaRPr lang="en-US" dirty="0"/>
           </a:p>
@@ -7060,7 +7052,7 @@
           <a:p>
             <a:r>
               <a:rPr kumimoji="0" lang="de-CH" smtClean="0"/>
-              <a:t>Programmieren / Greenfoot</a:t>
+              <a:t>Programmieren / Kapitel 3 - Variablen</a:t>
             </a:r>
             <a:endParaRPr kumimoji="0" lang="en-US"/>
           </a:p>
@@ -7823,7 +7815,7 @@
           <a:p>
             <a:r>
               <a:rPr lang="de-DE" smtClean="0"/>
-              <a:t>v1.3 (2012-07)</a:t>
+              <a:t>v2.0</a:t>
             </a:r>
             <a:endParaRPr lang="en-US" dirty="0"/>
           </a:p>
@@ -7846,7 +7838,7 @@
           <a:p>
             <a:r>
               <a:rPr kumimoji="0" lang="de-CH" smtClean="0"/>
-              <a:t>Programmieren / Greenfoot</a:t>
+              <a:t>Programmieren / Kapitel 3 - Variablen</a:t>
             </a:r>
             <a:endParaRPr kumimoji="0" lang="en-US"/>
           </a:p>
@@ -8556,7 +8548,7 @@
           <a:p>
             <a:r>
               <a:rPr lang="de-DE" smtClean="0"/>
-              <a:t>v1.3 (2012-07)</a:t>
+              <a:t>v2.0</a:t>
             </a:r>
             <a:endParaRPr lang="en-US"/>
           </a:p>
@@ -8608,7 +8600,7 @@
           <a:p>
             <a:r>
               <a:rPr kumimoji="0" lang="de-CH" smtClean="0"/>
-              <a:t>Programmieren / Greenfoot</a:t>
+              <a:t>Programmieren / Kapitel 3 - Variablen</a:t>
             </a:r>
             <a:endParaRPr kumimoji="0" lang="en-US"/>
           </a:p>
@@ -8691,7 +8683,7 @@
           <a:p>
             <a:r>
               <a:rPr lang="de-DE" smtClean="0"/>
-              <a:t>v1.3 (2012-07)</a:t>
+              <a:t>v2.0</a:t>
             </a:r>
             <a:endParaRPr lang="en-US" dirty="0"/>
           </a:p>
@@ -8714,7 +8706,7 @@
           <a:p>
             <a:r>
               <a:rPr kumimoji="0" lang="de-CH" smtClean="0"/>
-              <a:t>Programmieren / Greenfoot</a:t>
+              <a:t>Programmieren / Kapitel 3 - Variablen</a:t>
             </a:r>
             <a:endParaRPr kumimoji="0" lang="en-US"/>
           </a:p>
@@ -11191,7 +11183,7 @@
           <a:p>
             <a:r>
               <a:rPr lang="de-DE" smtClean="0"/>
-              <a:t>v1.3 (2012-07)</a:t>
+              <a:t>v2.0</a:t>
             </a:r>
             <a:endParaRPr lang="en-US" dirty="0"/>
           </a:p>
@@ -11214,7 +11206,7 @@
           <a:p>
             <a:r>
               <a:rPr kumimoji="0" lang="de-CH" smtClean="0"/>
-              <a:t>Programmieren / Greenfoot</a:t>
+              <a:t>Programmieren / Kapitel 3 - Variablen</a:t>
             </a:r>
             <a:endParaRPr kumimoji="0" lang="en-US"/>
           </a:p>
@@ -15393,7 +15385,7 @@
           <a:p>
             <a:r>
               <a:rPr lang="de-DE" smtClean="0"/>
-              <a:t>v1.3 (2012-07)</a:t>
+              <a:t>v2.0</a:t>
             </a:r>
             <a:endParaRPr lang="en-US" dirty="0"/>
           </a:p>
@@ -15416,7 +15408,7 @@
           <a:p>
             <a:r>
               <a:rPr kumimoji="0" lang="de-CH" smtClean="0"/>
-              <a:t>Programmieren / Greenfoot</a:t>
+              <a:t>Programmieren / Kapitel 3 - Variablen</a:t>
             </a:r>
             <a:endParaRPr kumimoji="0" lang="en-US"/>
           </a:p>
@@ -15693,7 +15685,7 @@
           <a:p>
             <a:r>
               <a:rPr lang="de-DE" smtClean="0"/>
-              <a:t>v1.3 (2012-07)</a:t>
+              <a:t>v2.0</a:t>
             </a:r>
             <a:endParaRPr lang="en-US" dirty="0"/>
           </a:p>
@@ -15716,7 +15708,7 @@
           <a:p>
             <a:r>
               <a:rPr kumimoji="0" lang="de-CH" smtClean="0"/>
-              <a:t>Programmieren / Greenfoot</a:t>
+              <a:t>Programmieren / Kapitel 3 - Variablen</a:t>
             </a:r>
             <a:endParaRPr kumimoji="0" lang="en-US"/>
           </a:p>
@@ -15916,7 +15908,7 @@
           <a:p>
             <a:r>
               <a:rPr lang="de-DE" smtClean="0"/>
-              <a:t>v1.3 (2012-07)</a:t>
+              <a:t>v2.0</a:t>
             </a:r>
             <a:endParaRPr lang="en-US" dirty="0"/>
           </a:p>
@@ -15939,7 +15931,7 @@
           <a:p>
             <a:r>
               <a:rPr kumimoji="0" lang="de-CH" smtClean="0"/>
-              <a:t>Programmieren / Greenfoot</a:t>
+              <a:t>Programmieren / Kapitel 3 - Variablen</a:t>
             </a:r>
             <a:endParaRPr kumimoji="0" lang="en-US"/>
           </a:p>
@@ -16653,7 +16645,7 @@
           <a:p>
             <a:r>
               <a:rPr lang="de-DE" smtClean="0"/>
-              <a:t>v1.3 (2012-07)</a:t>
+              <a:t>v2.0</a:t>
             </a:r>
             <a:endParaRPr lang="en-US" dirty="0"/>
           </a:p>
@@ -16676,7 +16668,7 @@
           <a:p>
             <a:r>
               <a:rPr kumimoji="0" lang="de-CH" smtClean="0"/>
-              <a:t>Programmieren / Greenfoot</a:t>
+              <a:t>Programmieren / Kapitel 3 - Variablen</a:t>
             </a:r>
             <a:endParaRPr kumimoji="0" lang="en-US"/>
           </a:p>
@@ -20868,7 +20860,7 @@
           <a:p>
             <a:r>
               <a:rPr lang="de-DE" smtClean="0"/>
-              <a:t>v1.3 (2012-07)</a:t>
+              <a:t>v2.0</a:t>
             </a:r>
             <a:endParaRPr lang="en-US" dirty="0"/>
           </a:p>
@@ -20891,7 +20883,7 @@
           <a:p>
             <a:r>
               <a:rPr kumimoji="0" lang="de-CH" smtClean="0"/>
-              <a:t>Programmieren / Greenfoot</a:t>
+              <a:t>Programmieren / Kapitel 3 - Variablen</a:t>
             </a:r>
             <a:endParaRPr kumimoji="0" lang="en-US"/>
           </a:p>
@@ -21723,7 +21715,7 @@
           <a:p>
             <a:r>
               <a:rPr lang="de-DE" smtClean="0"/>
-              <a:t>v1.3 (2012-07)</a:t>
+              <a:t>v2.0</a:t>
             </a:r>
             <a:endParaRPr lang="en-US" dirty="0"/>
           </a:p>
@@ -21746,7 +21738,7 @@
           <a:p>
             <a:r>
               <a:rPr kumimoji="0" lang="de-CH" smtClean="0"/>
-              <a:t>Programmieren / Greenfoot</a:t>
+              <a:t>Programmieren / Kapitel 3 - Variablen</a:t>
             </a:r>
             <a:endParaRPr kumimoji="0" lang="en-US"/>
           </a:p>
@@ -22278,7 +22270,7 @@
           <a:p>
             <a:r>
               <a:rPr lang="de-DE" smtClean="0"/>
-              <a:t>v1.3 (2012-07)</a:t>
+              <a:t>v2.0</a:t>
             </a:r>
             <a:endParaRPr lang="en-US" dirty="0"/>
           </a:p>
@@ -22301,7 +22293,7 @@
           <a:p>
             <a:r>
               <a:rPr kumimoji="0" lang="de-CH" smtClean="0"/>
-              <a:t>Programmieren / Greenfoot</a:t>
+              <a:t>Programmieren / Kapitel 3 - Variablen</a:t>
             </a:r>
             <a:endParaRPr kumimoji="0" lang="en-US"/>
           </a:p>
@@ -22926,7 +22918,7 @@
           <a:p>
             <a:r>
               <a:rPr lang="de-DE" smtClean="0"/>
-              <a:t>v1.3 (2012-07)</a:t>
+              <a:t>v2.0</a:t>
             </a:r>
             <a:endParaRPr lang="en-US" dirty="0"/>
           </a:p>
@@ -22949,7 +22941,7 @@
           <a:p>
             <a:r>
               <a:rPr kumimoji="0" lang="de-CH" smtClean="0"/>
-              <a:t>Programmieren / Greenfoot</a:t>
+              <a:t>Programmieren / Kapitel 3 - Variablen</a:t>
             </a:r>
             <a:endParaRPr kumimoji="0" lang="en-US"/>
           </a:p>
@@ -26397,7 +26389,7 @@
           <a:p>
             <a:r>
               <a:rPr lang="de-DE" smtClean="0"/>
-              <a:t>v1.3 (2012-07)</a:t>
+              <a:t>v2.0</a:t>
             </a:r>
             <a:endParaRPr lang="en-US" dirty="0"/>
           </a:p>
@@ -26420,7 +26412,7 @@
           <a:p>
             <a:r>
               <a:rPr kumimoji="0" lang="de-CH" smtClean="0"/>
-              <a:t>Programmieren / Greenfoot</a:t>
+              <a:t>Programmieren / Kapitel 3 - Variablen</a:t>
             </a:r>
             <a:endParaRPr kumimoji="0" lang="en-US"/>
           </a:p>
@@ -26714,7 +26706,7 @@
           <a:p>
             <a:r>
               <a:rPr lang="de-DE" smtClean="0"/>
-              <a:t>v1.3 (2012-07)</a:t>
+              <a:t>v2.0</a:t>
             </a:r>
             <a:endParaRPr lang="en-US" dirty="0"/>
           </a:p>
@@ -26737,7 +26729,7 @@
           <a:p>
             <a:r>
               <a:rPr kumimoji="0" lang="de-CH" smtClean="0"/>
-              <a:t>Programmieren / Greenfoot</a:t>
+              <a:t>Programmieren / Kapitel 3 - Variablen</a:t>
             </a:r>
             <a:endParaRPr kumimoji="0" lang="en-US"/>
           </a:p>
@@ -27605,7 +27597,7 @@
           <a:p>
             <a:r>
               <a:rPr lang="de-DE" smtClean="0"/>
-              <a:t>v1.3 (2012-07)</a:t>
+              <a:t>v2.0</a:t>
             </a:r>
             <a:endParaRPr lang="en-US" dirty="0"/>
           </a:p>
@@ -27628,7 +27620,7 @@
           <a:p>
             <a:r>
               <a:rPr kumimoji="0" lang="de-CH" smtClean="0"/>
-              <a:t>Programmieren / Greenfoot</a:t>
+              <a:t>Programmieren / Kapitel 3 - Variablen</a:t>
             </a:r>
             <a:endParaRPr kumimoji="0" lang="en-US"/>
           </a:p>
@@ -28071,7 +28063,7 @@
           <a:p>
             <a:r>
               <a:rPr lang="de-DE" smtClean="0"/>
-              <a:t>v1.3 (2012-07)</a:t>
+              <a:t>v2.0</a:t>
             </a:r>
             <a:endParaRPr lang="en-US" dirty="0"/>
           </a:p>
@@ -28094,7 +28086,7 @@
           <a:p>
             <a:r>
               <a:rPr kumimoji="0" lang="de-CH" smtClean="0"/>
-              <a:t>Programmieren / Greenfoot</a:t>
+              <a:t>Programmieren / Kapitel 3 - Variablen</a:t>
             </a:r>
             <a:endParaRPr kumimoji="0" lang="en-US"/>
           </a:p>
